--- a/code/testing/Testing PPT.pptx
+++ b/code/testing/Testing PPT.pptx
@@ -5,7 +5,7 @@
     <p:sldMasterId id="2147483859" r:id="rId1"/>
   </p:sldMasterIdLst>
   <p:notesMasterIdLst>
-    <p:notesMasterId r:id="rId16"/>
+    <p:notesMasterId r:id="rId17"/>
   </p:notesMasterIdLst>
   <p:sldIdLst>
     <p:sldId id="256" r:id="rId2"/>
@@ -21,7 +21,8 @@
     <p:sldId id="269" r:id="rId12"/>
     <p:sldId id="268" r:id="rId13"/>
     <p:sldId id="270" r:id="rId14"/>
-    <p:sldId id="271" r:id="rId15"/>
+    <p:sldId id="272" r:id="rId15"/>
+    <p:sldId id="271" r:id="rId16"/>
   </p:sldIdLst>
   <p:sldSz cx="12192000" cy="6858000"/>
   <p:notesSz cx="6858000" cy="9144000"/>
@@ -5152,7 +5153,7 @@
           <a:p>
             <a:fld id="{14001636-91FE-894E-B5FB-71B69416521A}" type="slidenum">
               <a:rPr lang="en-US" smtClean="0"/>
-              <a:t>14</a:t>
+              <a:t>15</a:t>
             </a:fld>
             <a:endParaRPr lang="en-US"/>
           </a:p>
@@ -9188,6 +9189,259 @@
 </file>
 
 <file path=ppt/slides/slide14.xml><?xml version="1.0" encoding="utf-8"?>
+<p:sld xmlns:a="http://schemas.openxmlformats.org/drawingml/2006/main" xmlns:r="http://schemas.openxmlformats.org/officeDocument/2006/relationships" xmlns:p="http://schemas.openxmlformats.org/presentationml/2006/main">
+  <p:cSld>
+    <p:spTree>
+      <p:nvGrpSpPr>
+        <p:cNvPr id="1" name=""/>
+        <p:cNvGrpSpPr/>
+        <p:nvPr/>
+      </p:nvGrpSpPr>
+      <p:grpSpPr>
+        <a:xfrm>
+          <a:off x="0" y="0"/>
+          <a:ext cx="0" cy="0"/>
+          <a:chOff x="0" y="0"/>
+          <a:chExt cx="0" cy="0"/>
+        </a:xfrm>
+      </p:grpSpPr>
+      <p:sp>
+        <p:nvSpPr>
+          <p:cNvPr id="2" name="Title 1">
+            <a:extLst>
+              <a:ext uri="{FF2B5EF4-FFF2-40B4-BE49-F238E27FC236}">
+                <a16:creationId xmlns:a16="http://schemas.microsoft.com/office/drawing/2014/main" id="{B1A1CBBE-3433-F142-9241-117E6C3706FD}"/>
+              </a:ext>
+            </a:extLst>
+          </p:cNvPr>
+          <p:cNvSpPr>
+            <a:spLocks noGrp="1"/>
+          </p:cNvSpPr>
+          <p:nvPr>
+            <p:ph type="title"/>
+          </p:nvPr>
+        </p:nvSpPr>
+        <p:spPr/>
+        <p:txBody>
+          <a:bodyPr/>
+          <a:lstStyle/>
+          <a:p>
+            <a:pPr algn="ctr"/>
+            <a:r>
+              <a:rPr lang="en-US" dirty="0"/>
+              <a:t>References</a:t>
+            </a:r>
+          </a:p>
+        </p:txBody>
+      </p:sp>
+      <p:sp>
+        <p:nvSpPr>
+          <p:cNvPr id="3" name="Content Placeholder 2">
+            <a:extLst>
+              <a:ext uri="{FF2B5EF4-FFF2-40B4-BE49-F238E27FC236}">
+                <a16:creationId xmlns:a16="http://schemas.microsoft.com/office/drawing/2014/main" id="{1CA7601F-0136-E043-AD32-133A012A1CA9}"/>
+              </a:ext>
+            </a:extLst>
+          </p:cNvPr>
+          <p:cNvSpPr>
+            <a:spLocks noGrp="1"/>
+          </p:cNvSpPr>
+          <p:nvPr>
+            <p:ph idx="1"/>
+          </p:nvPr>
+        </p:nvSpPr>
+        <p:spPr/>
+        <p:txBody>
+          <a:bodyPr>
+            <a:normAutofit fontScale="55000" lnSpcReduction="20000"/>
+          </a:bodyPr>
+          <a:lstStyle/>
+          <a:p>
+            <a:pPr lvl="0"/>
+            <a:r>
+              <a:rPr lang="en-DE" u="sng" dirty="0">
+                <a:hlinkClick r:id="rId2">
+                  <a:extLst>
+                    <a:ext uri="{A12FA001-AC4F-418D-AE19-62706E023703}">
+                      <ahyp:hlinkClr xmlns:ahyp="http://schemas.microsoft.com/office/drawing/2018/hyperlinkcolor" val="tx"/>
+                    </a:ext>
+                  </a:extLst>
+                </a:hlinkClick>
+              </a:rPr>
+              <a:t>http://tryqa.com/why-is-testing-necessary/</a:t>
+            </a:r>
+            <a:endParaRPr lang="en-DE" dirty="0"/>
+          </a:p>
+          <a:p>
+            <a:pPr lvl="0"/>
+            <a:r>
+              <a:rPr lang="en-DE" u="sng" dirty="0">
+                <a:hlinkClick r:id="rId3">
+                  <a:extLst>
+                    <a:ext uri="{A12FA001-AC4F-418D-AE19-62706E023703}">
+                      <ahyp:hlinkClr xmlns:ahyp="http://schemas.microsoft.com/office/drawing/2018/hyperlinkcolor" val="tx"/>
+                    </a:ext>
+                  </a:extLst>
+                </a:hlinkClick>
+              </a:rPr>
+              <a:t>https://www.tutorialspoint.com/junit/junit_test_framework.htm</a:t>
+            </a:r>
+            <a:endParaRPr lang="en-DE" dirty="0"/>
+          </a:p>
+          <a:p>
+            <a:pPr lvl="0"/>
+            <a:r>
+              <a:rPr lang="en-DE" dirty="0"/>
+              <a:t>https://www.youtube.com/watch?v=2E3WqYupx7c&amp;list=PLqq-6Pq4lTTa4ad5JISViSb2FVG8Vwa4o</a:t>
+            </a:r>
+          </a:p>
+          <a:p>
+            <a:pPr lvl="0"/>
+            <a:r>
+              <a:rPr lang="en-DE" u="sng" dirty="0">
+                <a:hlinkClick r:id="rId4">
+                  <a:extLst>
+                    <a:ext uri="{A12FA001-AC4F-418D-AE19-62706E023703}">
+                      <ahyp:hlinkClr xmlns:ahyp="http://schemas.microsoft.com/office/drawing/2018/hyperlinkcolor" val="tx"/>
+                    </a:ext>
+                  </a:extLst>
+                </a:hlinkClick>
+              </a:rPr>
+              <a:t>https://objectpartners.com/2010/12/21/how-to-write-junit-tests/</a:t>
+            </a:r>
+            <a:endParaRPr lang="en-DE" dirty="0"/>
+          </a:p>
+          <a:p>
+            <a:pPr lvl="0"/>
+            <a:r>
+              <a:rPr lang="en-DE" u="sng" dirty="0">
+                <a:hlinkClick r:id="rId5">
+                  <a:extLst>
+                    <a:ext uri="{A12FA001-AC4F-418D-AE19-62706E023703}">
+                      <ahyp:hlinkClr xmlns:ahyp="http://schemas.microsoft.com/office/drawing/2018/hyperlinkcolor" val="tx"/>
+                    </a:ext>
+                  </a:extLst>
+                </a:hlinkClick>
+              </a:rPr>
+              <a:t>https://www.guru99.com/junit-assert.html</a:t>
+            </a:r>
+            <a:endParaRPr lang="en-DE" dirty="0"/>
+          </a:p>
+          <a:p>
+            <a:pPr lvl="0"/>
+            <a:r>
+              <a:rPr lang="en-DE" u="sng" dirty="0">
+                <a:hlinkClick r:id="rId6">
+                  <a:extLst>
+                    <a:ext uri="{A12FA001-AC4F-418D-AE19-62706E023703}">
+                      <ahyp:hlinkClr xmlns:ahyp="http://schemas.microsoft.com/office/drawing/2018/hyperlinkcolor" val="tx"/>
+                    </a:ext>
+                  </a:extLst>
+                </a:hlinkClick>
+              </a:rPr>
+              <a:t>https://www.agilealliance.org/glossary/tdd/#q=~(infinite~false~filters~(postType~(~'page~'post~'aa_book~'aa_event_session~'aa_experience_report~'aa_glossary~'aa_research_paper~'aa_video)~tags~(~'tdd))~searchTerm~'~sort~false~sortDirection~'asc~page~1)</a:t>
+            </a:r>
+            <a:endParaRPr lang="en-DE" dirty="0"/>
+          </a:p>
+          <a:p>
+            <a:pPr lvl="0"/>
+            <a:r>
+              <a:rPr lang="en-DE" u="sng" dirty="0">
+                <a:hlinkClick r:id="rId7">
+                  <a:extLst>
+                    <a:ext uri="{A12FA001-AC4F-418D-AE19-62706E023703}">
+                      <ahyp:hlinkClr xmlns:ahyp="http://schemas.microsoft.com/office/drawing/2018/hyperlinkcolor" val="tx"/>
+                    </a:ext>
+                  </a:extLst>
+                </a:hlinkClick>
+              </a:rPr>
+              <a:t>https://www.agilealliance.org/glossary/rules-of-simplicity/</a:t>
+            </a:r>
+            <a:endParaRPr lang="en-DE" dirty="0"/>
+          </a:p>
+          <a:p>
+            <a:pPr lvl="0"/>
+            <a:r>
+              <a:rPr lang="en-DE" u="sng" dirty="0">
+                <a:hlinkClick r:id="rId8">
+                  <a:extLst>
+                    <a:ext uri="{A12FA001-AC4F-418D-AE19-62706E023703}">
+                      <ahyp:hlinkClr xmlns:ahyp="http://schemas.microsoft.com/office/drawing/2018/hyperlinkcolor" val="tx"/>
+                    </a:ext>
+                  </a:extLst>
+                </a:hlinkClick>
+              </a:rPr>
+              <a:t>https://stormpath.com/blog/7-tips-writing-unit-tests-java</a:t>
+            </a:r>
+            <a:endParaRPr lang="en-DE" dirty="0"/>
+          </a:p>
+          <a:p>
+            <a:pPr lvl="0"/>
+            <a:r>
+              <a:rPr lang="en-DE" u="sng" dirty="0">
+                <a:hlinkClick r:id="rId9">
+                  <a:extLst>
+                    <a:ext uri="{A12FA001-AC4F-418D-AE19-62706E023703}">
+                      <ahyp:hlinkClr xmlns:ahyp="http://schemas.microsoft.com/office/drawing/2018/hyperlinkcolor" val="tx"/>
+                    </a:ext>
+                  </a:extLst>
+                </a:hlinkClick>
+              </a:rPr>
+              <a:t>http://www.agiledata.org/essays/tdd.html</a:t>
+            </a:r>
+            <a:endParaRPr lang="en-DE" dirty="0"/>
+          </a:p>
+          <a:p>
+            <a:pPr lvl="0"/>
+            <a:r>
+              <a:rPr lang="en-DE" u="sng" dirty="0">
+                <a:hlinkClick r:id="rId10">
+                  <a:extLst>
+                    <a:ext uri="{A12FA001-AC4F-418D-AE19-62706E023703}">
+                      <ahyp:hlinkClr xmlns:ahyp="http://schemas.microsoft.com/office/drawing/2018/hyperlinkcolor" val="tx"/>
+                    </a:ext>
+                  </a:extLst>
+                </a:hlinkClick>
+              </a:rPr>
+              <a:t>https://medium.com/capital-one-tech/improve-java-code-with-unit-tests-and-jacoco-b342643736ed</a:t>
+            </a:r>
+            <a:endParaRPr lang="en-DE" dirty="0"/>
+          </a:p>
+          <a:p>
+            <a:pPr lvl="0"/>
+            <a:r>
+              <a:rPr lang="en-DE" u="sng" dirty="0">
+                <a:hlinkClick r:id="rId11">
+                  <a:extLst>
+                    <a:ext uri="{A12FA001-AC4F-418D-AE19-62706E023703}">
+                      <ahyp:hlinkClr xmlns:ahyp="http://schemas.microsoft.com/office/drawing/2018/hyperlinkcolor" val="tx"/>
+                    </a:ext>
+                  </a:extLst>
+                </a:hlinkClick>
+              </a:rPr>
+              <a:t>https://www.youtube.com/watch?v=QDFI19lj4OM</a:t>
+            </a:r>
+            <a:endParaRPr lang="en-DE" dirty="0"/>
+          </a:p>
+          <a:p>
+            <a:endParaRPr lang="en-US" dirty="0"/>
+          </a:p>
+        </p:txBody>
+      </p:sp>
+    </p:spTree>
+    <p:extLst>
+      <p:ext uri="{BB962C8B-B14F-4D97-AF65-F5344CB8AC3E}">
+        <p14:creationId xmlns:p14="http://schemas.microsoft.com/office/powerpoint/2010/main" val="1952921918"/>
+      </p:ext>
+    </p:extLst>
+  </p:cSld>
+  <p:clrMapOvr>
+    <a:masterClrMapping/>
+  </p:clrMapOvr>
+</p:sld>
+</file>
+
+<file path=ppt/slides/slide15.xml><?xml version="1.0" encoding="utf-8"?>
 <p:sld xmlns:a="http://schemas.openxmlformats.org/drawingml/2006/main" xmlns:r="http://schemas.openxmlformats.org/officeDocument/2006/relationships" xmlns:p="http://schemas.openxmlformats.org/presentationml/2006/main">
   <p:cSld>
     <p:spTree>
